--- a/Laravel/materi5/Setup Laravel.pptx
+++ b/Laravel/materi5/Setup Laravel.pptx
@@ -5,7 +5,7 @@
     <p:sldMasterId id="2147483648" r:id="rId1"/>
   </p:sldMasterIdLst>
   <p:notesMasterIdLst>
-    <p:notesMasterId r:id="rId10"/>
+    <p:notesMasterId r:id="rId9"/>
   </p:notesMasterIdLst>
   <p:sldIdLst>
     <p:sldId id="256" r:id="rId4"/>
@@ -13,7 +13,6 @@
     <p:sldId id="258" r:id="rId6"/>
     <p:sldId id="259" r:id="rId7"/>
     <p:sldId id="260" r:id="rId8"/>
-    <p:sldId id="261" r:id="rId9"/>
   </p:sldIdLst>
   <p:sldSz cx="12192000" cy="6858000"/>
   <p:notesSz cx="6858000" cy="9144000"/>
@@ -826,88 +825,6 @@
 </file>
 
 <file path=ppt/notesSlides/notesSlide5.xml><?xml version="1.0" encoding="utf-8"?>
-<p:notes xmlns:a="http://schemas.openxmlformats.org/drawingml/2006/main" xmlns:r="http://schemas.openxmlformats.org/officeDocument/2006/relationships" xmlns:p="http://schemas.openxmlformats.org/presentationml/2006/main" xmlns:m="http://schemas.openxmlformats.org/officeDocument/2006/math" xmlns:w="http://schemas.openxmlformats.org/wordprocessingml/2006/main">
-  <p:cSld name="">
-    <p:spTree>
-      <p:nvGrpSpPr>
-        <p:cNvPr id="1" name=""/>
-        <p:cNvGrpSpPr/>
-        <p:nvPr/>
-      </p:nvGrpSpPr>
-      <p:grpSpPr bwMode="auto">
-        <a:xfrm>
-          <a:off x="0" y="0"/>
-          <a:ext cx="0" cy="0"/>
-          <a:chOff x="0" y="0"/>
-          <a:chExt cx="0" cy="0"/>
-        </a:xfrm>
-      </p:grpSpPr>
-      <p:sp>
-        <p:nvSpPr>
-          <p:cNvPr id="1785024185" name="Slide Image Placeholder 1"/>
-          <p:cNvSpPr>
-            <a:spLocks noChangeAspect="1" noGrp="1" noRot="1"/>
-          </p:cNvSpPr>
-          <p:nvPr>
-            <p:ph type="sldImg"/>
-          </p:nvPr>
-        </p:nvSpPr>
-        <p:spPr bwMode="auto"/>
-      </p:sp>
-      <p:sp>
-        <p:nvSpPr>
-          <p:cNvPr id="1004527679" name="Notes Placeholder 2"/>
-          <p:cNvSpPr>
-            <a:spLocks noGrp="1"/>
-          </p:cNvSpPr>
-          <p:nvPr>
-            <p:ph type="body" idx="1"/>
-          </p:nvPr>
-        </p:nvSpPr>
-        <p:spPr bwMode="auto"/>
-        <p:txBody>
-          <a:bodyPr/>
-          <a:lstStyle/>
-          <a:p>
-            <a:pPr>
-              <a:defRPr/>
-            </a:pPr>
-            <a:endParaRPr/>
-          </a:p>
-        </p:txBody>
-      </p:sp>
-      <p:sp>
-        <p:nvSpPr>
-          <p:cNvPr id="782364134" name="Slide Number Placeholder 3"/>
-          <p:cNvSpPr>
-            <a:spLocks noGrp="1"/>
-          </p:cNvSpPr>
-          <p:nvPr>
-            <p:ph type="sldNum" sz="quarter" idx="10"/>
-          </p:nvPr>
-        </p:nvSpPr>
-        <p:spPr bwMode="auto"/>
-        <p:txBody>
-          <a:bodyPr/>
-          <a:lstStyle/>
-          <a:p>
-            <a:pPr>
-              <a:defRPr/>
-            </a:pPr>
-            <a:fld id="{64AF451F-D208-00BF-BD6A-3DBA734F527B}" type="slidenum">
-              <a:rPr/>
-              <a:t/>
-            </a:fld>
-            <a:endParaRPr/>
-          </a:p>
-        </p:txBody>
-      </p:sp>
-    </p:spTree>
-  </p:cSld>
-</p:notes>
-</file>
-
-<file path=ppt/notesSlides/notesSlide6.xml><?xml version="1.0" encoding="utf-8"?>
 <p:notes xmlns:a="http://schemas.openxmlformats.org/drawingml/2006/main" xmlns:r="http://schemas.openxmlformats.org/officeDocument/2006/relationships" xmlns:p="http://schemas.openxmlformats.org/presentationml/2006/main" xmlns:m="http://schemas.openxmlformats.org/officeDocument/2006/math" xmlns:w="http://schemas.openxmlformats.org/wordprocessingml/2006/main">
   <p:cSld name="">
     <p:spTree>
@@ -4395,7 +4312,7 @@
           <a:stretch/>
         </p:blipFill>
         <p:spPr bwMode="auto">
-          <a:xfrm rot="20242174" flipH="0" flipV="0">
+          <a:xfrm rot="20242173" flipH="0" flipV="0">
             <a:off x="8161402" y="1972553"/>
             <a:ext cx="2697138" cy="2697138"/>
           </a:xfrm>
@@ -4583,7 +4500,7 @@
         <p:spPr bwMode="auto">
           <a:xfrm flipH="0" flipV="0">
             <a:off x="-14490" y="6054023"/>
-            <a:ext cx="12221057" cy="807201"/>
+            <a:ext cx="12221057" cy="807200"/>
           </a:xfrm>
           <a:prstGeom prst="rect">
             <a:avLst/>
@@ -4845,39 +4762,6 @@
                 <a:schemeClr val="tx1"/>
               </a:solidFill>
             </a:endParaRPr>
-          </a:p>
-        </p:txBody>
-      </p:sp>
-      <p:sp>
-        <p:nvSpPr>
-          <p:cNvPr id="65314965" name=""/>
-          <p:cNvSpPr/>
-          <p:nvPr/>
-        </p:nvSpPr>
-        <p:spPr bwMode="auto">
-          <a:xfrm flipH="0" flipV="0">
-            <a:off x="751041" y="3180617"/>
-            <a:ext cx="8776691" cy="366119"/>
-          </a:xfrm>
-          <a:prstGeom prst="rect">
-            <a:avLst/>
-          </a:prstGeom>
-          <a:solidFill>
-            <a:schemeClr val="bg2">
-              <a:lumMod val="90000"/>
-            </a:schemeClr>
-          </a:solidFill>
-        </p:spPr>
-        <p:txBody>
-          <a:bodyPr rot="0" spcFirstLastPara="0" vertOverflow="overflow" horzOverflow="overflow" vert="horz" wrap="square" lIns="91440" tIns="45720" rIns="91440" bIns="45720" numCol="1" spcCol="0" rtlCol="0" fromWordArt="0" anchor="t" anchorCtr="0" forceAA="0" upright="0" compatLnSpc="1">
-            <a:prstTxWarp prst="textNoShape"/>
-            <a:spAutoFit/>
-          </a:bodyPr>
-          <a:p>
-            <a:pPr>
-              <a:defRPr/>
-            </a:pPr>
-            <a:endParaRPr/>
           </a:p>
         </p:txBody>
       </p:sp>
@@ -5097,7 +4981,7 @@
           <a:stretch/>
         </p:blipFill>
         <p:spPr bwMode="auto">
-          <a:xfrm rot="20242173" flipH="0" flipV="0">
+          <a:xfrm rot="20242172" flipH="0" flipV="0">
             <a:off x="9953393" y="-661549"/>
             <a:ext cx="2697138" cy="2697138"/>
           </a:xfrm>
@@ -5387,332 +5271,6 @@
 </file>
 
 <file path=ppt/slides/slide5.xml><?xml version="1.0" encoding="utf-8"?>
-<p:sld xmlns:a="http://schemas.openxmlformats.org/drawingml/2006/main" xmlns:r="http://schemas.openxmlformats.org/officeDocument/2006/relationships" xmlns:p="http://schemas.openxmlformats.org/presentationml/2006/main" xmlns:m="http://schemas.openxmlformats.org/officeDocument/2006/math" xmlns:w="http://schemas.openxmlformats.org/wordprocessingml/2006/main" xmlns:mc="http://schemas.openxmlformats.org/markup-compatibility/2006" showMasterPhAnim="0" showMasterSp="1" show="1">
-  <p:cSld name="">
-    <p:bg>
-      <p:bgPr shadeToTitle="0">
-        <a:solidFill>
-          <a:schemeClr val="bg1"/>
-        </a:solidFill>
-      </p:bgPr>
-    </p:bg>
-    <p:spTree>
-      <p:nvGrpSpPr>
-        <p:cNvPr id="1" name=""/>
-        <p:cNvGrpSpPr/>
-        <p:nvPr/>
-      </p:nvGrpSpPr>
-      <p:grpSpPr bwMode="auto">
-        <a:xfrm>
-          <a:off x="0" y="0"/>
-          <a:ext cx="0" cy="0"/>
-          <a:chOff x="0" y="0"/>
-          <a:chExt cx="0" cy="0"/>
-        </a:xfrm>
-      </p:grpSpPr>
-      <p:pic>
-        <p:nvPicPr>
-          <p:cNvPr id="321302311" name=""/>
-          <p:cNvPicPr>
-            <a:picLocks noChangeAspect="1"/>
-          </p:cNvPicPr>
-          <p:nvPr/>
-        </p:nvPicPr>
-        <p:blipFill>
-          <a:blip r:embed="rId3"/>
-          <a:stretch/>
-        </p:blipFill>
-        <p:spPr bwMode="auto">
-          <a:xfrm rot="20242173" flipH="0" flipV="0">
-            <a:off x="9953393" y="-661549"/>
-            <a:ext cx="2697138" cy="2697138"/>
-          </a:xfrm>
-          <a:prstGeom prst="rect">
-            <a:avLst/>
-          </a:prstGeom>
-        </p:spPr>
-      </p:pic>
-      <p:sp>
-        <p:nvSpPr>
-          <p:cNvPr id="193859404" name=""/>
-          <p:cNvSpPr txBox="1"/>
-          <p:nvPr/>
-        </p:nvSpPr>
-        <p:spPr bwMode="auto">
-          <a:xfrm flipH="0" flipV="0">
-            <a:off x="3848548" y="2587623"/>
-            <a:ext cx="183636" cy="366118"/>
-          </a:xfrm>
-          <a:prstGeom prst="rect">
-            <a:avLst/>
-          </a:prstGeom>
-          <a:noFill/>
-        </p:spPr>
-        <p:txBody>
-          <a:bodyPr vertOverflow="overflow" horzOverflow="overflow" vert="horz" wrap="none" lIns="91440" tIns="45720" rIns="91440" bIns="45720" numCol="1" spcCol="0" rtlCol="0" fromWordArt="0" anchor="t" anchorCtr="0" forceAA="0" upright="0" compatLnSpc="0">
-            <a:spAutoFit/>
-          </a:bodyPr>
-          <a:p>
-            <a:pPr>
-              <a:defRPr/>
-            </a:pPr>
-            <a:endParaRPr>
-              <a:solidFill>
-                <a:schemeClr val="tx1"/>
-              </a:solidFill>
-            </a:endParaRPr>
-          </a:p>
-        </p:txBody>
-      </p:sp>
-      <p:sp>
-        <p:nvSpPr>
-          <p:cNvPr id="134734250" name=""/>
-          <p:cNvSpPr txBox="1"/>
-          <p:nvPr/>
-        </p:nvSpPr>
-        <p:spPr bwMode="auto">
-          <a:xfrm flipH="0" flipV="0">
-            <a:off x="3478248" y="2997558"/>
-            <a:ext cx="183636" cy="366118"/>
-          </a:xfrm>
-          <a:prstGeom prst="rect">
-            <a:avLst/>
-          </a:prstGeom>
-          <a:noFill/>
-        </p:spPr>
-        <p:txBody>
-          <a:bodyPr vertOverflow="overflow" horzOverflow="overflow" vert="horz" wrap="none" lIns="91440" tIns="45720" rIns="91440" bIns="45720" numCol="1" spcCol="0" rtlCol="0" fromWordArt="0" anchor="t" anchorCtr="0" forceAA="0" upright="0" compatLnSpc="0">
-            <a:spAutoFit/>
-          </a:bodyPr>
-          <a:p>
-            <a:pPr>
-              <a:defRPr/>
-            </a:pPr>
-            <a:endParaRPr>
-              <a:solidFill>
-                <a:schemeClr val="tx1"/>
-              </a:solidFill>
-            </a:endParaRPr>
-          </a:p>
-        </p:txBody>
-      </p:sp>
-      <p:sp>
-        <p:nvSpPr>
-          <p:cNvPr id="907932081" name=""/>
-          <p:cNvSpPr/>
-          <p:nvPr/>
-        </p:nvSpPr>
-        <p:spPr bwMode="auto">
-          <a:xfrm flipH="0" flipV="0">
-            <a:off x="-14490" y="6054023"/>
-            <a:ext cx="12221057" cy="807200"/>
-          </a:xfrm>
-          <a:prstGeom prst="rect">
-            <a:avLst/>
-          </a:prstGeom>
-          <a:blipFill>
-            <a:blip r:embed="rId4"/>
-            <a:tile/>
-          </a:blipFill>
-          <a:ln w="12700" cap="flat" cmpd="sng" algn="ctr">
-            <a:noFill/>
-            <a:prstDash val="solid"/>
-            <a:miter lim="800000"/>
-          </a:ln>
-        </p:spPr>
-        <p:style>
-          <a:lnRef idx="2">
-            <a:schemeClr val="accent1">
-              <a:shade val="50000"/>
-            </a:schemeClr>
-          </a:lnRef>
-          <a:fillRef idx="1">
-            <a:schemeClr val="accent1"/>
-          </a:fillRef>
-          <a:effectRef idx="0">
-            <a:schemeClr val="accent1"/>
-          </a:effectRef>
-          <a:fontRef idx="minor">
-            <a:schemeClr val="lt1"/>
-          </a:fontRef>
-        </p:style>
-      </p:sp>
-      <p:sp>
-        <p:nvSpPr>
-          <p:cNvPr id="298451778" name=""/>
-          <p:cNvSpPr/>
-          <p:nvPr/>
-        </p:nvSpPr>
-        <p:spPr bwMode="auto">
-          <a:xfrm flipH="0" flipV="0">
-            <a:off x="751040" y="1712099"/>
-            <a:ext cx="4453208" cy="63496"/>
-          </a:xfrm>
-          <a:prstGeom prst="rect">
-            <a:avLst/>
-          </a:prstGeom>
-          <a:solidFill>
-            <a:srgbClr val="E01B24"/>
-          </a:solidFill>
-          <a:ln w="12700" cap="flat" cmpd="sng" algn="ctr">
-            <a:noFill/>
-            <a:prstDash val="solid"/>
-            <a:miter lim="800000"/>
-          </a:ln>
-        </p:spPr>
-        <p:style>
-          <a:lnRef idx="2">
-            <a:schemeClr val="accent1">
-              <a:shade val="50000"/>
-            </a:schemeClr>
-          </a:lnRef>
-          <a:fillRef idx="1">
-            <a:schemeClr val="accent1"/>
-          </a:fillRef>
-          <a:effectRef idx="0">
-            <a:schemeClr val="accent1"/>
-          </a:effectRef>
-          <a:fontRef idx="minor">
-            <a:schemeClr val="lt1"/>
-          </a:fontRef>
-        </p:style>
-      </p:sp>
-      <p:sp>
-        <p:nvSpPr>
-          <p:cNvPr id="881333165" name=""/>
-          <p:cNvSpPr txBox="1"/>
-          <p:nvPr/>
-        </p:nvSpPr>
-        <p:spPr bwMode="auto">
-          <a:xfrm rot="0" flipH="0" flipV="0">
-            <a:off x="751041" y="523018"/>
-            <a:ext cx="4748233" cy="1189080"/>
-          </a:xfrm>
-          <a:prstGeom prst="rect">
-            <a:avLst/>
-          </a:prstGeom>
-          <a:noFill/>
-        </p:spPr>
-        <p:txBody>
-          <a:bodyPr vertOverflow="overflow" horzOverflow="overflow" vert="horz" wrap="square" lIns="91440" tIns="45720" rIns="91440" bIns="45720" numCol="1" spcCol="0" rtlCol="0" fromWordArt="0" anchor="t" anchorCtr="0" forceAA="0" upright="0" compatLnSpc="0">
-            <a:spAutoFit/>
-          </a:bodyPr>
-          <a:p>
-            <a:pPr>
-              <a:defRPr/>
-            </a:pPr>
-            <a:r>
-              <a:rPr sz="7200" b="1">
-                <a:solidFill>
-                  <a:schemeClr val="tx1"/>
-                </a:solidFill>
-                <a:latin typeface="Quicksand"/>
-                <a:ea typeface="Quicksand"/>
-                <a:cs typeface="Quicksand"/>
-              </a:rPr>
-              <a:t>Composer</a:t>
-            </a:r>
-            <a:endParaRPr sz="1800">
-              <a:solidFill>
-                <a:schemeClr val="tx1"/>
-              </a:solidFill>
-            </a:endParaRPr>
-          </a:p>
-        </p:txBody>
-      </p:sp>
-      <p:sp>
-        <p:nvSpPr>
-          <p:cNvPr id="210131182" name=""/>
-          <p:cNvSpPr txBox="1"/>
-          <p:nvPr/>
-        </p:nvSpPr>
-        <p:spPr bwMode="auto">
-          <a:xfrm flipH="0" flipV="0">
-            <a:off x="741321" y="2034107"/>
-            <a:ext cx="6351270" cy="366119"/>
-          </a:xfrm>
-          <a:prstGeom prst="rect">
-            <a:avLst/>
-          </a:prstGeom>
-          <a:solidFill>
-            <a:schemeClr val="bg2">
-              <a:lumMod val="90000"/>
-            </a:schemeClr>
-          </a:solidFill>
-        </p:spPr>
-        <p:txBody>
-          <a:bodyPr vertOverflow="overflow" horzOverflow="overflow" vert="horz" wrap="square" lIns="91440" tIns="45720" rIns="91440" bIns="45720" numCol="1" spcCol="0" rtlCol="0" fromWordArt="0" anchor="t" anchorCtr="0" forceAA="0" upright="0" compatLnSpc="0">
-            <a:spAutoFit/>
-          </a:bodyPr>
-          <a:p>
-            <a:pPr>
-              <a:defRPr/>
-            </a:pPr>
-            <a:r>
-              <a:rPr/>
-              <a:t>&gt;&gt; </a:t>
-            </a:r>
-            <a:r>
-              <a:rPr>
-                <a:solidFill>
-                  <a:srgbClr val="A41A1A"/>
-                </a:solidFill>
-              </a:rPr>
-              <a:t>sudo </a:t>
-            </a:r>
-            <a:r>
-              <a:rPr/>
-              <a:t>apt install composer</a:t>
-            </a:r>
-            <a:endParaRPr/>
-          </a:p>
-        </p:txBody>
-      </p:sp>
-      <p:pic>
-        <p:nvPicPr>
-          <p:cNvPr id="1100142889" name=""/>
-          <p:cNvPicPr>
-            <a:picLocks noChangeAspect="1"/>
-          </p:cNvPicPr>
-          <p:nvPr/>
-        </p:nvPicPr>
-        <p:blipFill>
-          <a:blip r:embed="rId5"/>
-          <a:srcRect l="0" t="39283" r="13876" b="0"/>
-          <a:stretch/>
-        </p:blipFill>
-        <p:spPr bwMode="auto">
-          <a:xfrm flipH="0" flipV="0">
-            <a:off x="751041" y="2502330"/>
-            <a:ext cx="8542580" cy="3385991"/>
-          </a:xfrm>
-          <a:prstGeom prst="rect">
-            <a:avLst/>
-          </a:prstGeom>
-        </p:spPr>
-      </p:pic>
-    </p:spTree>
-  </p:cSld>
-  <p:clrMapOvr>
-    <a:masterClrMapping/>
-  </p:clrMapOvr>
-  <mc:AlternateContent xmlns:mc="http://schemas.openxmlformats.org/markup-compatibility/2006">
-    <mc:Choice xmlns:p159="http://schemas.microsoft.com/office/powerpoint/2015/09/main" xmlns:p14="http://schemas.microsoft.com/office/powerpoint/2010/main" Requires="p159">
-      <p:transition spd="slow" p14:dur="2000" advClick="1">
-        <p159:morph option="byObject"/>
-      </p:transition>
-    </mc:Choice>
-    <mc:Fallback>
-      <p:transition spd="slow" advClick="1">
-        <p:fade/>
-      </p:transition>
-    </mc:Fallback>
-  </mc:AlternateContent>
-  <p:timing/>
-</p:sld>
-</file>
-
-<file path=ppt/slides/slide6.xml><?xml version="1.0" encoding="utf-8"?>
 <p:sld xmlns:a="http://schemas.openxmlformats.org/drawingml/2006/main" xmlns:r="http://schemas.openxmlformats.org/officeDocument/2006/relationships" xmlns:p="http://schemas.openxmlformats.org/presentationml/2006/main" xmlns:m="http://schemas.openxmlformats.org/officeDocument/2006/math" xmlns:w="http://schemas.openxmlformats.org/wordprocessingml/2006/main" xmlns:mc="http://schemas.openxmlformats.org/markup-compatibility/2006" showMasterPhAnim="0" showMasterSp="1" show="1">
   <p:cSld name="">
     <p:spTree>
